--- a/Presentation.pptx
+++ b/Presentation.pptx
@@ -8567,741 +8567,743 @@
               <a:defRPr/>
             </a:pPr>
             <a:r>
-              <a:rPr lang="en-US" altLang="zh-CN" sz="1200" dirty="0" smtClean="0"/>
+              <a:rPr lang="en-US" altLang="zh-CN" sz="1200" dirty="0"/>
               <a:t>Once</a:t>
             </a:r>
             <a:r>
-              <a:rPr lang="zh-CN" altLang="en-US" sz="1200" dirty="0" smtClean="0"/>
+              <a:rPr lang="zh-CN" altLang="en-US" sz="1200" dirty="0"/>
               <a:t> </a:t>
             </a:r>
             <a:r>
-              <a:rPr lang="en-US" altLang="zh-CN" sz="1200" dirty="0" smtClean="0"/>
+              <a:rPr lang="en-US" altLang="zh-CN" sz="1200" dirty="0"/>
               <a:t>the</a:t>
             </a:r>
             <a:r>
-              <a:rPr lang="zh-CN" altLang="en-US" sz="1200" dirty="0" smtClean="0"/>
+              <a:rPr lang="zh-CN" altLang="en-US" sz="1200" dirty="0"/>
               <a:t> </a:t>
             </a:r>
             <a:r>
-              <a:rPr lang="en-US" altLang="zh-CN" sz="1200" dirty="0" smtClean="0"/>
+              <a:rPr lang="en-US" altLang="zh-CN" sz="1200" dirty="0"/>
               <a:t>buyer</a:t>
             </a:r>
             <a:r>
-              <a:rPr lang="zh-CN" altLang="en-US" sz="1200" dirty="0" smtClean="0"/>
+              <a:rPr lang="zh-CN" altLang="en-US" sz="1200" dirty="0"/>
               <a:t> </a:t>
             </a:r>
             <a:r>
-              <a:rPr lang="en-US" altLang="zh-CN" sz="1200" dirty="0" smtClean="0"/>
+              <a:rPr lang="en-US" altLang="zh-CN" sz="1200" dirty="0"/>
               <a:t>purchased</a:t>
             </a:r>
             <a:r>
-              <a:rPr lang="zh-CN" altLang="en-US" sz="1200" dirty="0" smtClean="0"/>
+              <a:rPr lang="zh-CN" altLang="en-US" sz="1200" dirty="0"/>
               <a:t> </a:t>
             </a:r>
             <a:r>
-              <a:rPr lang="en-US" altLang="zh-CN" sz="1200" dirty="0" smtClean="0"/>
+              <a:rPr lang="en-US" altLang="zh-CN" sz="1200" dirty="0"/>
               <a:t>a</a:t>
             </a:r>
             <a:r>
-              <a:rPr lang="zh-CN" altLang="en-US" sz="1200" dirty="0" smtClean="0"/>
+              <a:rPr lang="zh-CN" altLang="en-US" sz="1200" dirty="0"/>
               <a:t> </a:t>
             </a:r>
             <a:r>
-              <a:rPr lang="en-US" altLang="zh-CN" sz="1200" dirty="0" smtClean="0"/>
+              <a:rPr lang="en-US" altLang="zh-CN" sz="1200" dirty="0"/>
               <a:t>product</a:t>
             </a:r>
             <a:r>
-              <a:rPr lang="zh-CN" altLang="en-US" sz="1200" dirty="0" smtClean="0"/>
+              <a:rPr lang="zh-CN" altLang="en-US" sz="1200" dirty="0"/>
               <a:t> </a:t>
             </a:r>
             <a:r>
-              <a:rPr lang="en-US" altLang="zh-CN" sz="1200" dirty="0" smtClean="0"/>
+              <a:rPr lang="en-US" altLang="zh-CN" sz="1200" dirty="0"/>
               <a:t>from</a:t>
             </a:r>
             <a:r>
-              <a:rPr lang="zh-CN" altLang="en-US" sz="1200" dirty="0" smtClean="0"/>
+              <a:rPr lang="zh-CN" altLang="en-US" sz="1200" dirty="0"/>
               <a:t> </a:t>
             </a:r>
             <a:r>
-              <a:rPr lang="en-US" altLang="zh-CN" sz="1200" dirty="0" smtClean="0"/>
+              <a:rPr lang="en-US" altLang="zh-CN" sz="1200" dirty="0"/>
               <a:t>the</a:t>
             </a:r>
             <a:r>
-              <a:rPr lang="zh-CN" altLang="en-US" sz="1200" dirty="0" smtClean="0"/>
+              <a:rPr lang="zh-CN" altLang="en-US" sz="1200" dirty="0"/>
               <a:t> </a:t>
             </a:r>
             <a:r>
-              <a:rPr lang="en-US" altLang="zh-CN" sz="1200" dirty="0" smtClean="0"/>
+              <a:rPr lang="en-US" altLang="zh-CN" sz="1200" dirty="0"/>
               <a:t>seller</a:t>
             </a:r>
             <a:r>
-              <a:rPr lang="zh-CN" altLang="en-US" sz="1200" dirty="0" smtClean="0"/>
+              <a:rPr lang="zh-CN" altLang="en-US" sz="1200" dirty="0"/>
               <a:t> </a:t>
             </a:r>
             <a:r>
-              <a:rPr lang="en-US" altLang="zh-CN" sz="1200" dirty="0" smtClean="0"/>
+              <a:rPr lang="en-US" altLang="zh-CN" sz="1200" dirty="0"/>
               <a:t>face</a:t>
             </a:r>
             <a:r>
-              <a:rPr lang="zh-CN" altLang="en-US" sz="1200" dirty="0" smtClean="0"/>
+              <a:rPr lang="zh-CN" altLang="en-US" sz="1200" dirty="0"/>
               <a:t> </a:t>
             </a:r>
             <a:r>
-              <a:rPr lang="en-US" altLang="zh-CN" sz="1200" dirty="0" smtClean="0"/>
+              <a:rPr lang="en-US" altLang="zh-CN" sz="1200" dirty="0"/>
               <a:t>to</a:t>
             </a:r>
             <a:r>
-              <a:rPr lang="zh-CN" altLang="en-US" sz="1200" dirty="0" smtClean="0"/>
+              <a:rPr lang="zh-CN" altLang="en-US" sz="1200" dirty="0"/>
               <a:t> </a:t>
             </a:r>
             <a:r>
-              <a:rPr lang="en-US" altLang="zh-CN" sz="1200" dirty="0" smtClean="0"/>
+              <a:rPr lang="en-US" altLang="zh-CN" sz="1200" dirty="0"/>
               <a:t>face,</a:t>
             </a:r>
             <a:r>
-              <a:rPr lang="zh-CN" altLang="en-US" sz="1200" dirty="0" smtClean="0"/>
+              <a:rPr lang="zh-CN" altLang="en-US" sz="1200" dirty="0"/>
               <a:t> </a:t>
             </a:r>
             <a:r>
-              <a:rPr lang="en-US" altLang="zh-CN" sz="1200" dirty="0" smtClean="0"/>
+              <a:rPr lang="en-US" altLang="zh-CN" sz="1200" dirty="0"/>
               <a:t>then</a:t>
             </a:r>
             <a:r>
-              <a:rPr lang="zh-CN" altLang="en-US" sz="1200" dirty="0" smtClean="0"/>
+              <a:rPr lang="zh-CN" altLang="en-US" sz="1200" dirty="0"/>
               <a:t> </a:t>
             </a:r>
             <a:r>
-              <a:rPr lang="en-US" altLang="zh-CN" sz="1200" dirty="0" smtClean="0"/>
+              <a:rPr lang="en-US" altLang="zh-CN" sz="1200" dirty="0"/>
               <a:t>the</a:t>
             </a:r>
             <a:r>
-              <a:rPr lang="zh-CN" altLang="en-US" sz="1200" dirty="0" smtClean="0"/>
+              <a:rPr lang="zh-CN" altLang="en-US" sz="1200" dirty="0"/>
               <a:t> </a:t>
             </a:r>
             <a:r>
-              <a:rPr lang="en-US" altLang="zh-CN" sz="1200" dirty="0" smtClean="0"/>
+              <a:rPr lang="en-US" altLang="zh-CN" sz="1200" dirty="0"/>
               <a:t>buyer</a:t>
             </a:r>
             <a:r>
-              <a:rPr lang="zh-CN" altLang="en-US" sz="1200" dirty="0" smtClean="0"/>
+              <a:rPr lang="zh-CN" altLang="en-US" sz="1200" dirty="0"/>
               <a:t> </a:t>
             </a:r>
             <a:r>
-              <a:rPr lang="en-US" altLang="zh-CN" sz="1200" dirty="0" smtClean="0"/>
+              <a:rPr lang="en-US" altLang="zh-CN" sz="1200" dirty="0"/>
               <a:t>will</a:t>
             </a:r>
             <a:r>
-              <a:rPr lang="zh-CN" altLang="en-US" sz="1200" dirty="0" smtClean="0"/>
+              <a:rPr lang="zh-CN" altLang="en-US" sz="1200" dirty="0"/>
               <a:t> </a:t>
             </a:r>
             <a:r>
-              <a:rPr lang="en-US" altLang="zh-CN" sz="1200" dirty="0" smtClean="0"/>
+              <a:rPr lang="en-US" altLang="zh-CN" sz="1200" dirty="0"/>
               <a:t>transfer</a:t>
             </a:r>
             <a:r>
-              <a:rPr lang="zh-CN" altLang="en-US" sz="1200" dirty="0" smtClean="0"/>
+              <a:rPr lang="zh-CN" altLang="en-US" sz="1200" dirty="0"/>
               <a:t> </a:t>
             </a:r>
             <a:r>
-              <a:rPr lang="en-US" altLang="zh-CN" sz="1200" dirty="0" smtClean="0"/>
+              <a:rPr lang="en-US" altLang="zh-CN" sz="1200" dirty="0"/>
               <a:t>50%</a:t>
             </a:r>
             <a:r>
-              <a:rPr lang="zh-CN" altLang="en-US" sz="1200" dirty="0" smtClean="0"/>
+              <a:rPr lang="zh-CN" altLang="en-US" sz="1200" dirty="0"/>
               <a:t> </a:t>
             </a:r>
             <a:r>
-              <a:rPr lang="en-US" altLang="zh-CN" sz="1200" dirty="0" smtClean="0"/>
+              <a:rPr lang="en-US" altLang="zh-CN" sz="1200" dirty="0"/>
               <a:t>of</a:t>
             </a:r>
             <a:r>
-              <a:rPr lang="zh-CN" altLang="en-US" sz="1200" dirty="0" smtClean="0"/>
+              <a:rPr lang="zh-CN" altLang="en-US" sz="1200" dirty="0"/>
               <a:t> </a:t>
             </a:r>
             <a:r>
-              <a:rPr lang="en-US" altLang="zh-CN" sz="1200" dirty="0" smtClean="0"/>
+              <a:rPr lang="en-US" altLang="zh-CN" sz="1200" dirty="0"/>
               <a:t>the</a:t>
             </a:r>
             <a:r>
-              <a:rPr lang="zh-CN" altLang="en-US" sz="1200" dirty="0" smtClean="0"/>
+              <a:rPr lang="zh-CN" altLang="en-US" sz="1200" dirty="0"/>
               <a:t> </a:t>
             </a:r>
             <a:r>
-              <a:rPr lang="en-US" altLang="zh-CN" sz="1200" dirty="0" smtClean="0"/>
+              <a:rPr lang="en-US" altLang="zh-CN" sz="1200" dirty="0"/>
               <a:t>original</a:t>
             </a:r>
             <a:r>
-              <a:rPr lang="zh-CN" altLang="en-US" sz="1200" dirty="0" smtClean="0"/>
+              <a:rPr lang="zh-CN" altLang="en-US" sz="1200" dirty="0"/>
               <a:t> </a:t>
             </a:r>
             <a:r>
-              <a:rPr lang="en-US" altLang="zh-CN" sz="1200" dirty="0" smtClean="0"/>
+              <a:rPr lang="en-US" altLang="zh-CN" sz="1200" dirty="0"/>
               <a:t>price</a:t>
             </a:r>
             <a:r>
-              <a:rPr lang="zh-CN" altLang="en-US" sz="1200" dirty="0" smtClean="0"/>
+              <a:rPr lang="zh-CN" altLang="en-US" sz="1200" dirty="0"/>
               <a:t> </a:t>
             </a:r>
             <a:r>
-              <a:rPr lang="en-US" altLang="zh-CN" sz="1200" dirty="0" smtClean="0"/>
+              <a:rPr lang="en-US" altLang="zh-CN" sz="1200" dirty="0"/>
               <a:t>to</a:t>
             </a:r>
             <a:r>
-              <a:rPr lang="zh-CN" altLang="en-US" sz="1200" dirty="0" smtClean="0"/>
+              <a:rPr lang="zh-CN" altLang="en-US" sz="1200" dirty="0"/>
               <a:t> </a:t>
             </a:r>
             <a:r>
-              <a:rPr lang="en-US" altLang="zh-CN" sz="1200" dirty="0" smtClean="0"/>
+              <a:rPr lang="en-US" altLang="zh-CN" sz="1200" dirty="0"/>
               <a:t>the</a:t>
             </a:r>
             <a:r>
-              <a:rPr lang="zh-CN" altLang="en-US" sz="1200" dirty="0" smtClean="0"/>
+              <a:rPr lang="zh-CN" altLang="en-US" sz="1200" dirty="0"/>
               <a:t> </a:t>
             </a:r>
             <a:r>
-              <a:rPr lang="en-US" altLang="zh-CN" sz="1200" dirty="0" smtClean="0"/>
+              <a:rPr lang="en-US" altLang="zh-CN" sz="1200" dirty="0"/>
               <a:t>seller,</a:t>
             </a:r>
             <a:r>
-              <a:rPr lang="zh-CN" altLang="en-US" sz="1200" dirty="0" smtClean="0"/>
+              <a:rPr lang="zh-CN" altLang="en-US" sz="1200" dirty="0"/>
               <a:t> </a:t>
             </a:r>
             <a:r>
-              <a:rPr lang="en-US" altLang="zh-CN" sz="1200" dirty="0" smtClean="0"/>
+              <a:rPr lang="en-US" altLang="zh-CN" sz="1200" dirty="0"/>
               <a:t>which</a:t>
             </a:r>
             <a:r>
-              <a:rPr lang="zh-CN" altLang="en-US" sz="1200" dirty="0" smtClean="0"/>
+              <a:rPr lang="zh-CN" altLang="en-US" sz="1200" dirty="0"/>
               <a:t> </a:t>
             </a:r>
             <a:r>
-              <a:rPr lang="en-US" altLang="zh-CN" sz="1200" dirty="0" smtClean="0"/>
+              <a:rPr lang="en-US" altLang="zh-CN" sz="1200" dirty="0"/>
               <a:t>is</a:t>
             </a:r>
             <a:r>
-              <a:rPr lang="zh-CN" altLang="en-US" sz="1200" dirty="0" smtClean="0"/>
+              <a:rPr lang="zh-CN" altLang="en-US" sz="1200" dirty="0"/>
               <a:t> </a:t>
             </a:r>
             <a:r>
-              <a:rPr lang="en-US" altLang="zh-CN" sz="1200" dirty="0" smtClean="0"/>
+              <a:rPr lang="en-US" altLang="zh-CN" sz="1200" dirty="0"/>
               <a:t>no</a:t>
             </a:r>
             <a:r>
-              <a:rPr lang="zh-CN" altLang="en-US" sz="1200" dirty="0" smtClean="0"/>
+              <a:rPr lang="zh-CN" altLang="en-US" sz="1200" dirty="0"/>
               <a:t> </a:t>
             </a:r>
             <a:r>
-              <a:rPr lang="en-US" altLang="zh-CN" sz="1200" dirty="0" smtClean="0"/>
+              <a:rPr lang="en-US" altLang="zh-CN" sz="1200" dirty="0"/>
               <a:t>refundable,</a:t>
             </a:r>
             <a:r>
-              <a:rPr lang="zh-CN" altLang="en-US" sz="1200" dirty="0" smtClean="0"/>
+              <a:rPr lang="zh-CN" altLang="en-US" sz="1200" dirty="0"/>
               <a:t> </a:t>
             </a:r>
             <a:r>
-              <a:rPr lang="en-US" altLang="zh-CN" sz="1200" dirty="0" smtClean="0"/>
+              <a:rPr lang="en-US" altLang="zh-CN" sz="1200" dirty="0"/>
               <a:t>because</a:t>
             </a:r>
             <a:r>
-              <a:rPr lang="zh-CN" altLang="en-US" sz="1200" dirty="0" smtClean="0"/>
+              <a:rPr lang="zh-CN" altLang="en-US" sz="1200" dirty="0"/>
               <a:t> </a:t>
             </a:r>
             <a:r>
-              <a:rPr lang="en-US" altLang="zh-CN" sz="1200" dirty="0" smtClean="0"/>
+              <a:rPr lang="en-US" altLang="zh-CN" sz="1200" dirty="0"/>
               <a:t>this</a:t>
             </a:r>
             <a:r>
-              <a:rPr lang="zh-CN" altLang="en-US" sz="1200" dirty="0" smtClean="0"/>
+              <a:rPr lang="zh-CN" altLang="en-US" sz="1200" dirty="0"/>
               <a:t> </a:t>
             </a:r>
             <a:r>
-              <a:rPr lang="en-US" altLang="zh-CN" sz="1200" dirty="0" smtClean="0"/>
+              <a:rPr lang="en-US" altLang="zh-CN" sz="1200" dirty="0"/>
               <a:t>is</a:t>
             </a:r>
             <a:r>
-              <a:rPr lang="zh-CN" altLang="en-US" sz="1200" dirty="0" smtClean="0"/>
+              <a:rPr lang="zh-CN" altLang="en-US" sz="1200" dirty="0"/>
               <a:t> </a:t>
             </a:r>
             <a:r>
-              <a:rPr lang="en-US" altLang="zh-CN" sz="1200" dirty="0" smtClean="0"/>
+              <a:rPr lang="en-US" altLang="zh-CN" sz="1200" dirty="0"/>
               <a:t>buyer’s</a:t>
             </a:r>
             <a:r>
-              <a:rPr lang="zh-CN" altLang="en-US" sz="1200" dirty="0" smtClean="0"/>
+              <a:rPr lang="zh-CN" altLang="en-US" sz="1200" dirty="0"/>
               <a:t> </a:t>
             </a:r>
             <a:r>
-              <a:rPr lang="en-US" altLang="zh-CN" sz="1200" dirty="0" smtClean="0"/>
+              <a:rPr lang="en-US" altLang="zh-CN" sz="1200" dirty="0"/>
               <a:t>duty</a:t>
             </a:r>
             <a:r>
-              <a:rPr lang="zh-CN" altLang="en-US" sz="1200" dirty="0" smtClean="0"/>
+              <a:rPr lang="zh-CN" altLang="en-US" sz="1200" dirty="0"/>
               <a:t> </a:t>
             </a:r>
             <a:r>
-              <a:rPr lang="en-US" altLang="zh-CN" sz="1200" dirty="0" smtClean="0"/>
+              <a:rPr lang="en-US" altLang="zh-CN" sz="1200" dirty="0"/>
               <a:t>to</a:t>
             </a:r>
             <a:r>
-              <a:rPr lang="zh-CN" altLang="en-US" sz="1200" dirty="0" smtClean="0"/>
+              <a:rPr lang="zh-CN" altLang="en-US" sz="1200" dirty="0"/>
               <a:t> </a:t>
             </a:r>
             <a:r>
-              <a:rPr lang="en-US" altLang="zh-CN" sz="1200" dirty="0" smtClean="0"/>
+              <a:rPr lang="en-US" altLang="zh-CN" sz="1200" dirty="0"/>
               <a:t>check</a:t>
             </a:r>
             <a:r>
-              <a:rPr lang="zh-CN" altLang="en-US" sz="1200" dirty="0" smtClean="0"/>
+              <a:rPr lang="zh-CN" altLang="en-US" sz="1200" dirty="0"/>
               <a:t> </a:t>
             </a:r>
             <a:r>
-              <a:rPr lang="en-US" altLang="zh-CN" sz="1200" dirty="0" smtClean="0"/>
+              <a:rPr lang="en-US" altLang="zh-CN" sz="1200" dirty="0"/>
               <a:t>before</a:t>
             </a:r>
             <a:r>
-              <a:rPr lang="zh-CN" altLang="en-US" sz="1200" dirty="0" smtClean="0"/>
+              <a:rPr lang="zh-CN" altLang="en-US" sz="1200" dirty="0"/>
               <a:t> </a:t>
             </a:r>
             <a:r>
-              <a:rPr lang="en-US" altLang="zh-CN" sz="1200" dirty="0" smtClean="0"/>
+              <a:rPr lang="en-US" altLang="zh-CN" sz="1200" dirty="0"/>
               <a:t>they</a:t>
             </a:r>
             <a:r>
-              <a:rPr lang="zh-CN" altLang="en-US" sz="1200" dirty="0" smtClean="0"/>
+              <a:rPr lang="zh-CN" altLang="en-US" sz="1200" dirty="0"/>
               <a:t> </a:t>
             </a:r>
             <a:r>
-              <a:rPr lang="en-US" altLang="zh-CN" sz="1200" dirty="0" smtClean="0"/>
+              <a:rPr lang="en-US" altLang="zh-CN" sz="1200" dirty="0"/>
               <a:t>buy</a:t>
             </a:r>
             <a:r>
-              <a:rPr lang="zh-CN" altLang="en-US" sz="1200" dirty="0" smtClean="0"/>
+              <a:rPr lang="zh-CN" altLang="en-US" sz="1200" dirty="0"/>
               <a:t> </a:t>
             </a:r>
             <a:r>
-              <a:rPr lang="en-US" altLang="zh-CN" sz="1200" dirty="0" smtClean="0"/>
+              <a:rPr lang="en-US" altLang="zh-CN" sz="1200" dirty="0"/>
               <a:t>it.</a:t>
             </a:r>
             <a:r>
-              <a:rPr lang="zh-CN" altLang="en-US" sz="1200" dirty="0" smtClean="0"/>
+              <a:rPr lang="zh-CN" altLang="en-US" sz="1200" dirty="0"/>
               <a:t> </a:t>
             </a:r>
             <a:r>
-              <a:rPr lang="en-US" altLang="zh-CN" sz="1200" dirty="0" smtClean="0"/>
+              <a:rPr lang="en-US" altLang="zh-CN" sz="1200" dirty="0"/>
               <a:t>Another</a:t>
             </a:r>
             <a:r>
-              <a:rPr lang="zh-CN" altLang="en-US" sz="1200" dirty="0" smtClean="0"/>
+              <a:rPr lang="zh-CN" altLang="en-US" sz="1200" dirty="0"/>
               <a:t> </a:t>
             </a:r>
             <a:r>
-              <a:rPr lang="en-US" altLang="zh-CN" sz="1200" dirty="0" smtClean="0"/>
+              <a:rPr lang="en-US" altLang="zh-CN" sz="1200" dirty="0"/>
               <a:t>50%</a:t>
             </a:r>
             <a:r>
-              <a:rPr lang="zh-CN" altLang="en-US" sz="1200" dirty="0" smtClean="0"/>
+              <a:rPr lang="zh-CN" altLang="en-US" sz="1200" dirty="0"/>
               <a:t> </a:t>
             </a:r>
             <a:r>
-              <a:rPr lang="en-US" altLang="zh-CN" sz="1200" dirty="0" smtClean="0"/>
+              <a:rPr lang="en-US" altLang="zh-CN" sz="1200" dirty="0"/>
               <a:t>will</a:t>
             </a:r>
             <a:r>
-              <a:rPr lang="zh-CN" altLang="en-US" sz="1200" dirty="0" smtClean="0"/>
+              <a:rPr lang="zh-CN" altLang="en-US" sz="1200" dirty="0"/>
               <a:t> </a:t>
             </a:r>
             <a:r>
-              <a:rPr lang="en-US" altLang="zh-CN" sz="1200" dirty="0" smtClean="0"/>
+              <a:rPr lang="en-US" altLang="zh-CN" sz="1200" dirty="0"/>
               <a:t>be</a:t>
             </a:r>
             <a:r>
-              <a:rPr lang="zh-CN" altLang="en-US" sz="1200" dirty="0" smtClean="0"/>
+              <a:rPr lang="zh-CN" altLang="en-US" sz="1200" dirty="0"/>
               <a:t> </a:t>
             </a:r>
             <a:r>
-              <a:rPr lang="en-US" altLang="zh-CN" sz="1200" dirty="0" smtClean="0"/>
+              <a:rPr lang="en-US" altLang="zh-CN" sz="1200" dirty="0"/>
               <a:t>hold</a:t>
             </a:r>
             <a:r>
-              <a:rPr lang="zh-CN" altLang="en-US" sz="1200" dirty="0" smtClean="0"/>
+              <a:rPr lang="zh-CN" altLang="en-US" sz="1200" dirty="0"/>
               <a:t> </a:t>
             </a:r>
             <a:r>
-              <a:rPr lang="en-US" altLang="zh-CN" sz="1200" dirty="0" smtClean="0"/>
+              <a:rPr lang="en-US" altLang="zh-CN" sz="1200" dirty="0"/>
               <a:t>in</a:t>
             </a:r>
             <a:r>
-              <a:rPr lang="zh-CN" altLang="en-US" sz="1200" dirty="0" smtClean="0"/>
+              <a:rPr lang="zh-CN" altLang="en-US" sz="1200" dirty="0"/>
               <a:t> </a:t>
             </a:r>
             <a:r>
-              <a:rPr lang="en-US" altLang="zh-CN" sz="1200" dirty="0" smtClean="0"/>
+              <a:rPr lang="en-US" altLang="zh-CN" sz="1200" dirty="0"/>
               <a:t>the</a:t>
             </a:r>
             <a:r>
-              <a:rPr lang="zh-CN" altLang="en-US" sz="1200" dirty="0" smtClean="0"/>
+              <a:rPr lang="zh-CN" altLang="en-US" sz="1200" dirty="0"/>
               <a:t> </a:t>
             </a:r>
             <a:r>
-              <a:rPr lang="en-US" altLang="zh-CN" sz="1200" dirty="0" smtClean="0"/>
+              <a:rPr lang="en-US" altLang="zh-CN" sz="1200" dirty="0"/>
               <a:t>smart</a:t>
             </a:r>
             <a:r>
-              <a:rPr lang="zh-CN" altLang="en-US" sz="1200" dirty="0" smtClean="0"/>
+              <a:rPr lang="zh-CN" altLang="en-US" sz="1200" dirty="0"/>
               <a:t> </a:t>
             </a:r>
             <a:r>
-              <a:rPr lang="en-US" altLang="zh-CN" sz="1200" dirty="0" smtClean="0"/>
+              <a:rPr lang="en-US" altLang="zh-CN" sz="1200" dirty="0"/>
               <a:t>contract,</a:t>
             </a:r>
             <a:r>
-              <a:rPr lang="zh-CN" altLang="en-US" sz="1200" dirty="0" smtClean="0"/>
+              <a:rPr lang="zh-CN" altLang="en-US" sz="1200" dirty="0"/>
               <a:t> </a:t>
             </a:r>
             <a:r>
-              <a:rPr lang="en-US" altLang="zh-CN" sz="1200" dirty="0" smtClean="0"/>
+              <a:rPr lang="en-US" altLang="zh-CN" sz="1200" dirty="0"/>
               <a:t>and</a:t>
             </a:r>
             <a:r>
-              <a:rPr lang="zh-CN" altLang="en-US" sz="1200" dirty="0" smtClean="0"/>
+              <a:rPr lang="zh-CN" altLang="en-US" sz="1200" dirty="0"/>
               <a:t> </a:t>
             </a:r>
             <a:r>
-              <a:rPr lang="en-US" altLang="zh-CN" sz="1200" dirty="0" smtClean="0"/>
+              <a:rPr lang="en-US" altLang="zh-CN" sz="1200" dirty="0"/>
               <a:t>sent</a:t>
             </a:r>
             <a:r>
-              <a:rPr lang="zh-CN" altLang="en-US" sz="1200" dirty="0" smtClean="0"/>
+              <a:rPr lang="zh-CN" altLang="en-US" sz="1200" dirty="0"/>
               <a:t> </a:t>
             </a:r>
             <a:r>
-              <a:rPr lang="en-US" altLang="zh-CN" sz="1200" dirty="0" smtClean="0"/>
+              <a:rPr lang="en-US" altLang="zh-CN" sz="1200" dirty="0"/>
               <a:t>to</a:t>
             </a:r>
             <a:r>
-              <a:rPr lang="zh-CN" altLang="en-US" sz="1200" dirty="0" smtClean="0"/>
+              <a:rPr lang="zh-CN" altLang="en-US" sz="1200" dirty="0"/>
               <a:t> </a:t>
             </a:r>
             <a:r>
-              <a:rPr lang="en-US" altLang="zh-CN" sz="1200" dirty="0" smtClean="0"/>
+              <a:rPr lang="en-US" altLang="zh-CN" sz="1200" dirty="0"/>
               <a:t>the</a:t>
             </a:r>
             <a:r>
-              <a:rPr lang="zh-CN" altLang="en-US" sz="1200" dirty="0" smtClean="0"/>
+              <a:rPr lang="zh-CN" altLang="en-US" sz="1200" dirty="0"/>
               <a:t> </a:t>
             </a:r>
             <a:r>
-              <a:rPr lang="en-US" altLang="zh-CN" sz="1200" dirty="0" smtClean="0"/>
+              <a:rPr lang="en-US" altLang="zh-CN" sz="1200" dirty="0"/>
               <a:t>seller</a:t>
             </a:r>
             <a:r>
-              <a:rPr lang="zh-CN" altLang="en-US" sz="1200" dirty="0" smtClean="0"/>
+              <a:rPr lang="zh-CN" altLang="en-US" sz="1200" dirty="0"/>
               <a:t> </a:t>
             </a:r>
             <a:r>
-              <a:rPr lang="en-US" altLang="zh-CN" sz="1200" dirty="0" smtClean="0"/>
+              <a:rPr lang="en-US" altLang="zh-CN" sz="1200" dirty="0"/>
               <a:t>in</a:t>
             </a:r>
             <a:r>
-              <a:rPr lang="zh-CN" altLang="en-US" sz="1200" dirty="0" smtClean="0"/>
+              <a:rPr lang="zh-CN" altLang="en-US" sz="1200" dirty="0"/>
               <a:t> </a:t>
             </a:r>
             <a:r>
-              <a:rPr lang="en-US" altLang="zh-CN" sz="1200" dirty="0" smtClean="0"/>
+              <a:rPr lang="en-US" altLang="zh-CN" sz="1200" dirty="0"/>
               <a:t>next</a:t>
             </a:r>
             <a:r>
-              <a:rPr lang="zh-CN" altLang="en-US" sz="1200" dirty="0" smtClean="0"/>
+              <a:rPr lang="zh-CN" altLang="en-US" sz="1200" dirty="0"/>
               <a:t> </a:t>
             </a:r>
             <a:r>
-              <a:rPr lang="en-US" altLang="zh-CN" sz="1200" dirty="0" smtClean="0"/>
+              <a:rPr lang="en-US" altLang="zh-CN" sz="1200" dirty="0"/>
               <a:t>a</a:t>
             </a:r>
             <a:r>
-              <a:rPr lang="zh-CN" altLang="en-US" sz="1200" dirty="0" smtClean="0"/>
+              <a:rPr lang="zh-CN" altLang="en-US" sz="1200" dirty="0"/>
               <a:t> </a:t>
             </a:r>
             <a:r>
-              <a:rPr lang="en-US" altLang="zh-CN" sz="1200" dirty="0" smtClean="0"/>
+              <a:rPr lang="en-US" altLang="zh-CN" sz="1200" dirty="0"/>
               <a:t>few</a:t>
             </a:r>
             <a:r>
-              <a:rPr lang="zh-CN" altLang="en-US" sz="1200" dirty="0" smtClean="0"/>
+              <a:rPr lang="zh-CN" altLang="en-US" sz="1200" dirty="0"/>
               <a:t> </a:t>
             </a:r>
             <a:r>
-              <a:rPr lang="en-US" altLang="zh-CN" sz="1200" dirty="0" smtClean="0"/>
+              <a:rPr lang="en-US" altLang="zh-CN" sz="1200" dirty="0"/>
               <a:t>days.</a:t>
             </a:r>
             <a:r>
-              <a:rPr lang="zh-CN" altLang="en-US" sz="1200" dirty="0" smtClean="0"/>
+              <a:rPr lang="zh-CN" altLang="en-US" sz="1200" dirty="0"/>
               <a:t> </a:t>
             </a:r>
             <a:r>
-              <a:rPr lang="en-US" altLang="zh-CN" sz="1200" dirty="0" smtClean="0"/>
+              <a:rPr lang="en-US" altLang="zh-CN" sz="1200" dirty="0"/>
               <a:t>Each day,</a:t>
             </a:r>
             <a:r>
-              <a:rPr lang="zh-CN" altLang="en-US" sz="1200" dirty="0" smtClean="0"/>
+              <a:rPr lang="zh-CN" altLang="en-US" sz="1200" dirty="0"/>
               <a:t> </a:t>
             </a:r>
             <a:r>
-              <a:rPr lang="en-US" altLang="zh-CN" sz="1200" dirty="0" smtClean="0"/>
+              <a:rPr lang="en-US" altLang="zh-CN" sz="1200" dirty="0"/>
               <a:t>the</a:t>
             </a:r>
             <a:r>
-              <a:rPr lang="zh-CN" altLang="en-US" sz="1200" dirty="0" smtClean="0"/>
+              <a:rPr lang="zh-CN" altLang="en-US" sz="1200" dirty="0"/>
               <a:t> </a:t>
             </a:r>
             <a:r>
-              <a:rPr lang="en-US" altLang="zh-CN" sz="1200" dirty="0" smtClean="0"/>
+              <a:rPr lang="en-US" altLang="zh-CN" sz="1200" dirty="0"/>
               <a:t>seller</a:t>
             </a:r>
             <a:r>
-              <a:rPr lang="zh-CN" altLang="en-US" sz="1200" dirty="0" smtClean="0"/>
+              <a:rPr lang="zh-CN" altLang="en-US" sz="1200" dirty="0"/>
               <a:t> </a:t>
             </a:r>
             <a:r>
-              <a:rPr lang="en-US" altLang="zh-CN" sz="1200" dirty="0" smtClean="0"/>
+              <a:rPr lang="en-US" altLang="zh-CN" sz="1200" dirty="0"/>
               <a:t>will</a:t>
             </a:r>
             <a:r>
-              <a:rPr lang="zh-CN" altLang="en-US" sz="1200" dirty="0" smtClean="0"/>
+              <a:rPr lang="zh-CN" altLang="en-US" sz="1200" dirty="0"/>
               <a:t> </a:t>
             </a:r>
             <a:r>
-              <a:rPr lang="en-US" altLang="zh-CN" sz="1200" dirty="0" smtClean="0"/>
+              <a:rPr lang="en-US" altLang="zh-CN" sz="1200" dirty="0"/>
               <a:t>receive</a:t>
             </a:r>
             <a:r>
-              <a:rPr lang="zh-CN" altLang="en-US" sz="1200" dirty="0" smtClean="0"/>
+              <a:rPr lang="zh-CN" altLang="en-US" sz="1200" dirty="0"/>
               <a:t> </a:t>
             </a:r>
             <a:r>
-              <a:rPr lang="en-US" altLang="zh-CN" sz="1200" dirty="0" smtClean="0"/>
+              <a:rPr lang="en-US" altLang="zh-CN" sz="1200" dirty="0"/>
               <a:t>a</a:t>
             </a:r>
             <a:r>
-              <a:rPr lang="zh-CN" altLang="en-US" sz="1200" dirty="0" smtClean="0"/>
+              <a:rPr lang="zh-CN" altLang="en-US" sz="1200" dirty="0"/>
               <a:t> </a:t>
             </a:r>
             <a:r>
-              <a:rPr lang="en-US" altLang="zh-CN" sz="1200" dirty="0" smtClean="0"/>
+              <a:rPr lang="en-US" altLang="zh-CN" sz="1200" dirty="0"/>
               <a:t>portion</a:t>
             </a:r>
             <a:r>
-              <a:rPr lang="zh-CN" altLang="en-US" sz="1200" dirty="0" smtClean="0"/>
+              <a:rPr lang="zh-CN" altLang="en-US" sz="1200" dirty="0"/>
               <a:t> </a:t>
             </a:r>
             <a:r>
-              <a:rPr lang="en-US" altLang="zh-CN" sz="1200" dirty="0" smtClean="0"/>
+              <a:rPr lang="en-US" altLang="zh-CN" sz="1200" dirty="0"/>
               <a:t>of</a:t>
             </a:r>
             <a:r>
-              <a:rPr lang="zh-CN" altLang="en-US" sz="1200" dirty="0" smtClean="0"/>
+              <a:rPr lang="zh-CN" altLang="en-US" sz="1200" dirty="0"/>
               <a:t> </a:t>
             </a:r>
             <a:r>
-              <a:rPr lang="en-US" altLang="zh-CN" sz="1200" dirty="0" smtClean="0"/>
+              <a:rPr lang="en-US" altLang="zh-CN" sz="1200" dirty="0"/>
               <a:t>the</a:t>
             </a:r>
             <a:r>
-              <a:rPr lang="zh-CN" altLang="en-US" sz="1200" dirty="0" smtClean="0"/>
+              <a:rPr lang="zh-CN" altLang="en-US" sz="1200" dirty="0"/>
               <a:t> </a:t>
             </a:r>
             <a:r>
-              <a:rPr lang="en-US" altLang="zh-CN" sz="1200" dirty="0" smtClean="0"/>
+              <a:rPr lang="en-US" altLang="zh-CN" sz="1200" dirty="0"/>
               <a:t>rest</a:t>
             </a:r>
             <a:r>
-              <a:rPr lang="zh-CN" altLang="en-US" sz="1200" dirty="0" smtClean="0"/>
+              <a:rPr lang="zh-CN" altLang="en-US" sz="1200" dirty="0"/>
               <a:t> </a:t>
             </a:r>
             <a:r>
-              <a:rPr lang="en-US" altLang="zh-CN" sz="1200" dirty="0" smtClean="0"/>
+              <a:rPr lang="en-US" altLang="zh-CN" sz="1200" dirty="0"/>
               <a:t>of</a:t>
             </a:r>
             <a:r>
-              <a:rPr lang="zh-CN" altLang="en-US" sz="1200" dirty="0" smtClean="0"/>
+              <a:rPr lang="zh-CN" altLang="en-US" sz="1200" dirty="0"/>
               <a:t> </a:t>
             </a:r>
             <a:r>
-              <a:rPr lang="en-US" altLang="zh-CN" sz="1200" dirty="0" smtClean="0"/>
+              <a:rPr lang="en-US" altLang="zh-CN" sz="1200" dirty="0"/>
               <a:t>coins,</a:t>
             </a:r>
             <a:r>
-              <a:rPr lang="zh-CN" altLang="en-US" sz="1200" dirty="0" smtClean="0"/>
+              <a:rPr lang="zh-CN" altLang="en-US" sz="1200" dirty="0"/>
               <a:t> </a:t>
             </a:r>
             <a:r>
-              <a:rPr lang="en-US" altLang="zh-CN" sz="1200" dirty="0" smtClean="0"/>
+              <a:rPr lang="en-US" altLang="zh-CN" sz="1200" dirty="0"/>
               <a:t>so</a:t>
             </a:r>
             <a:r>
-              <a:rPr lang="zh-CN" altLang="en-US" sz="1200" dirty="0" smtClean="0"/>
+              <a:rPr lang="zh-CN" altLang="en-US" sz="1200" dirty="0"/>
               <a:t> </a:t>
             </a:r>
             <a:r>
-              <a:rPr lang="en-US" altLang="zh-CN" sz="1200" dirty="0" smtClean="0"/>
+              <a:rPr lang="en-US" altLang="zh-CN" sz="1200" dirty="0"/>
               <a:t>this</a:t>
             </a:r>
             <a:r>
-              <a:rPr lang="zh-CN" altLang="en-US" sz="1200" dirty="0" smtClean="0"/>
+              <a:rPr lang="zh-CN" altLang="en-US" sz="1200" dirty="0"/>
               <a:t> </a:t>
             </a:r>
             <a:r>
-              <a:rPr lang="en-US" altLang="zh-CN" sz="1200" dirty="0" smtClean="0"/>
+              <a:rPr lang="en-US" altLang="zh-CN" sz="1200" dirty="0"/>
               <a:t>gives</a:t>
             </a:r>
             <a:r>
-              <a:rPr lang="zh-CN" altLang="en-US" sz="1200" dirty="0" smtClean="0"/>
+              <a:rPr lang="zh-CN" altLang="en-US" sz="1200" dirty="0"/>
               <a:t> </a:t>
             </a:r>
             <a:r>
-              <a:rPr lang="en-US" altLang="zh-CN" sz="1200" dirty="0" smtClean="0"/>
+              <a:rPr lang="en-US" altLang="zh-CN" sz="1200" dirty="0"/>
               <a:t>the</a:t>
             </a:r>
             <a:r>
-              <a:rPr lang="zh-CN" altLang="en-US" sz="1200" dirty="0" smtClean="0"/>
+              <a:rPr lang="zh-CN" altLang="en-US" sz="1200" dirty="0"/>
               <a:t> </a:t>
             </a:r>
             <a:r>
-              <a:rPr lang="en-US" altLang="zh-CN" sz="1200" dirty="0" smtClean="0"/>
+              <a:rPr lang="en-US" altLang="zh-CN" sz="1200" dirty="0"/>
               <a:t>buyer’s</a:t>
             </a:r>
             <a:r>
-              <a:rPr lang="zh-CN" altLang="en-US" sz="1200" dirty="0" smtClean="0"/>
+              <a:rPr lang="zh-CN" altLang="en-US" sz="1200" dirty="0"/>
               <a:t> </a:t>
             </a:r>
             <a:r>
-              <a:rPr lang="en-US" altLang="zh-CN" sz="1200" dirty="0" smtClean="0"/>
+              <a:rPr lang="en-US" altLang="zh-CN" sz="1200" dirty="0"/>
               <a:t>some</a:t>
             </a:r>
             <a:r>
-              <a:rPr lang="zh-CN" altLang="en-US" sz="1200" dirty="0" smtClean="0"/>
+              <a:rPr lang="zh-CN" altLang="en-US" sz="1200" dirty="0"/>
               <a:t> </a:t>
             </a:r>
             <a:r>
-              <a:rPr lang="en-US" altLang="zh-CN" sz="1200" dirty="0" smtClean="0"/>
+              <a:rPr lang="en-US" altLang="zh-CN" sz="1200" dirty="0"/>
               <a:t>day</a:t>
             </a:r>
             <a:r>
-              <a:rPr lang="zh-CN" altLang="en-US" sz="1200" dirty="0" smtClean="0"/>
+              <a:rPr lang="zh-CN" altLang="en-US" sz="1200" dirty="0"/>
               <a:t> </a:t>
             </a:r>
             <a:r>
-              <a:rPr lang="en-US" altLang="zh-CN" sz="1200" dirty="0" smtClean="0"/>
+              <a:rPr lang="en-US" altLang="zh-CN" sz="1200" dirty="0"/>
               <a:t>to</a:t>
             </a:r>
             <a:r>
-              <a:rPr lang="zh-CN" altLang="en-US" sz="1200" dirty="0" smtClean="0"/>
+              <a:rPr lang="zh-CN" altLang="en-US" sz="1200" dirty="0"/>
               <a:t> </a:t>
             </a:r>
             <a:r>
-              <a:rPr lang="en-US" altLang="zh-CN" sz="1200" dirty="0" smtClean="0"/>
+              <a:rPr lang="en-US" altLang="zh-CN" sz="1200" dirty="0"/>
               <a:t>check</a:t>
             </a:r>
             <a:r>
-              <a:rPr lang="zh-CN" altLang="en-US" sz="1200" dirty="0" smtClean="0"/>
+              <a:rPr lang="zh-CN" altLang="en-US" sz="1200" dirty="0"/>
               <a:t> </a:t>
             </a:r>
             <a:r>
-              <a:rPr lang="en-US" altLang="zh-CN" sz="1200" dirty="0" smtClean="0"/>
+              <a:rPr lang="en-US" altLang="zh-CN" sz="1200" dirty="0"/>
               <a:t>the</a:t>
             </a:r>
             <a:r>
-              <a:rPr lang="zh-CN" altLang="en-US" sz="1200" dirty="0" smtClean="0"/>
+              <a:rPr lang="zh-CN" altLang="en-US" sz="1200" dirty="0"/>
               <a:t> </a:t>
             </a:r>
             <a:r>
-              <a:rPr lang="en-US" altLang="zh-CN" sz="1200" dirty="0" smtClean="0"/>
+              <a:rPr lang="en-US" altLang="zh-CN" sz="1200" dirty="0"/>
               <a:t>product</a:t>
             </a:r>
             <a:r>
-              <a:rPr lang="zh-CN" altLang="en-US" sz="1200" dirty="0" smtClean="0"/>
+              <a:rPr lang="zh-CN" altLang="en-US" sz="1200" dirty="0"/>
               <a:t> </a:t>
             </a:r>
             <a:r>
-              <a:rPr lang="en-US" altLang="zh-CN" sz="1200" dirty="0" smtClean="0"/>
+              <a:rPr lang="en-US" altLang="zh-CN" sz="1200" dirty="0"/>
               <a:t>and</a:t>
             </a:r>
             <a:r>
-              <a:rPr lang="zh-CN" altLang="en-US" sz="1200" dirty="0" smtClean="0"/>
+              <a:rPr lang="zh-CN" altLang="en-US" sz="1200" dirty="0"/>
               <a:t> </a:t>
             </a:r>
             <a:r>
-              <a:rPr lang="en-US" altLang="zh-CN" sz="1200" dirty="0" smtClean="0"/>
+              <a:rPr lang="en-US" altLang="zh-CN" sz="1200" dirty="0"/>
               <a:t>enforces</a:t>
             </a:r>
             <a:r>
-              <a:rPr lang="zh-CN" altLang="en-US" sz="1200" dirty="0" smtClean="0"/>
+              <a:rPr lang="zh-CN" altLang="en-US" sz="1200" dirty="0"/>
               <a:t> </a:t>
             </a:r>
             <a:r>
-              <a:rPr lang="en-US" altLang="zh-CN" sz="1200" dirty="0" smtClean="0"/>
+              <a:rPr lang="en-US" altLang="zh-CN" sz="1200" dirty="0"/>
               <a:t>them</a:t>
             </a:r>
             <a:r>
-              <a:rPr lang="zh-CN" altLang="en-US" sz="1200" dirty="0" smtClean="0"/>
+              <a:rPr lang="zh-CN" altLang="en-US" sz="1200" dirty="0"/>
               <a:t> </a:t>
             </a:r>
             <a:r>
-              <a:rPr lang="en-US" altLang="zh-CN" sz="1200" dirty="0" smtClean="0"/>
+              <a:rPr lang="en-US" altLang="zh-CN" sz="1200" dirty="0"/>
               <a:t>to</a:t>
             </a:r>
             <a:r>
-              <a:rPr lang="zh-CN" altLang="en-US" sz="1200" dirty="0" smtClean="0"/>
+              <a:rPr lang="zh-CN" altLang="en-US" sz="1200" dirty="0"/>
               <a:t> </a:t>
             </a:r>
             <a:r>
-              <a:rPr lang="en-US" altLang="zh-CN" sz="1200" dirty="0" smtClean="0"/>
+              <a:rPr lang="en-US" altLang="zh-CN" sz="1200" dirty="0"/>
               <a:t>check</a:t>
             </a:r>
             <a:r>
-              <a:rPr lang="zh-CN" altLang="en-US" sz="1200" dirty="0" smtClean="0"/>
+              <a:rPr lang="zh-CN" altLang="en-US" sz="1200" dirty="0"/>
               <a:t> </a:t>
             </a:r>
             <a:r>
-              <a:rPr lang="en-US" altLang="zh-CN" sz="1200" dirty="0" smtClean="0"/>
+              <a:rPr lang="en-US" altLang="zh-CN" sz="1200" dirty="0"/>
               <a:t>it</a:t>
             </a:r>
             <a:r>
-              <a:rPr lang="zh-CN" altLang="en-US" sz="1200" dirty="0" smtClean="0"/>
+              <a:rPr lang="zh-CN" altLang="en-US" sz="1200" dirty="0"/>
               <a:t> </a:t>
             </a:r>
             <a:r>
-              <a:rPr lang="en-US" altLang="zh-CN" sz="1200" dirty="0" smtClean="0"/>
+              <a:rPr lang="en-US" altLang="zh-CN" sz="1200" dirty="0"/>
               <a:t>as</a:t>
             </a:r>
             <a:r>
-              <a:rPr lang="zh-CN" altLang="en-US" sz="1200" dirty="0" smtClean="0"/>
+              <a:rPr lang="zh-CN" altLang="en-US" sz="1200" dirty="0"/>
               <a:t> </a:t>
             </a:r>
             <a:r>
-              <a:rPr lang="en-US" altLang="zh-CN" sz="1200" dirty="0" smtClean="0"/>
+              <a:rPr lang="en-US" altLang="zh-CN" sz="1200" dirty="0"/>
               <a:t>soon</a:t>
             </a:r>
             <a:r>
-              <a:rPr lang="zh-CN" altLang="en-US" sz="1200" dirty="0" smtClean="0"/>
+              <a:rPr lang="zh-CN" altLang="en-US" sz="1200" dirty="0"/>
               <a:t> </a:t>
             </a:r>
             <a:r>
-              <a:rPr lang="en-US" altLang="zh-CN" sz="1200" dirty="0" smtClean="0"/>
+              <a:rPr lang="en-US" altLang="zh-CN" sz="1200" dirty="0"/>
               <a:t>as</a:t>
             </a:r>
             <a:r>
-              <a:rPr lang="zh-CN" altLang="en-US" sz="1200" dirty="0" smtClean="0"/>
+              <a:rPr lang="zh-CN" altLang="en-US" sz="1200" dirty="0"/>
               <a:t> </a:t>
             </a:r>
             <a:r>
-              <a:rPr lang="en-US" altLang="zh-CN" sz="1200" dirty="0" smtClean="0"/>
-              <a:t>possible</a:t>
-            </a:r>
-            <a:r>
-              <a:rPr lang="en-US" altLang="zh-CN" sz="1200" dirty="0"/>
-              <a:t>.</a:t>
-            </a:r>
+              <a:rPr lang="en-US" altLang="zh-CN" sz="1200"/>
+              <a:t>possible.</a:t>
+            </a:r>
+            <a:endParaRPr lang="en-US" sz="1200"/>
+          </a:p>
+          <a:p>
+            <a:pPr defTabSz="914378">
+              <a:defRPr/>
+            </a:pPr>
             <a:endParaRPr lang="en-US" sz="1200" dirty="0"/>
           </a:p>
         </p:txBody>
